--- a/examples/piston_theory/PistonTheoryAeroelasticity.pptx
+++ b/examples/piston_theory/PistonTheoryAeroelasticity.pptx
@@ -104,6 +104,11 @@
       </a:defRPr>
     </a:lvl9pPr>
   </p:defaultTextStyle>
+  <p:extLst>
+    <p:ext uri="{EFAFB233-063F-42B5-8137-9DF3F51BA10A}">
+      <p15:sldGuideLst xmlns:p15="http://schemas.microsoft.com/office/powerpoint/2012/main"/>
+    </p:ext>
+  </p:extLst>
 </p:presentation>
 </file>
 
@@ -238,7 +243,7 @@
           <a:p>
             <a:fld id="{6444AFA2-83FA-1A41-9BA8-5A47F8345D74}" type="datetimeFigureOut">
               <a:rPr lang="en-US" smtClean="0"/>
-              <a:t>6/10/22</a:t>
+              <a:t>6/12/2022</a:t>
             </a:fld>
             <a:endParaRPr lang="en-US"/>
           </a:p>
@@ -408,7 +413,7 @@
           <a:p>
             <a:fld id="{6444AFA2-83FA-1A41-9BA8-5A47F8345D74}" type="datetimeFigureOut">
               <a:rPr lang="en-US" smtClean="0"/>
-              <a:t>6/10/22</a:t>
+              <a:t>6/12/2022</a:t>
             </a:fld>
             <a:endParaRPr lang="en-US"/>
           </a:p>
@@ -588,7 +593,7 @@
           <a:p>
             <a:fld id="{6444AFA2-83FA-1A41-9BA8-5A47F8345D74}" type="datetimeFigureOut">
               <a:rPr lang="en-US" smtClean="0"/>
-              <a:t>6/10/22</a:t>
+              <a:t>6/12/2022</a:t>
             </a:fld>
             <a:endParaRPr lang="en-US"/>
           </a:p>
@@ -758,7 +763,7 @@
           <a:p>
             <a:fld id="{6444AFA2-83FA-1A41-9BA8-5A47F8345D74}" type="datetimeFigureOut">
               <a:rPr lang="en-US" smtClean="0"/>
-              <a:t>6/10/22</a:t>
+              <a:t>6/12/2022</a:t>
             </a:fld>
             <a:endParaRPr lang="en-US"/>
           </a:p>
@@ -1002,7 +1007,7 @@
           <a:p>
             <a:fld id="{6444AFA2-83FA-1A41-9BA8-5A47F8345D74}" type="datetimeFigureOut">
               <a:rPr lang="en-US" smtClean="0"/>
-              <a:t>6/10/22</a:t>
+              <a:t>6/12/2022</a:t>
             </a:fld>
             <a:endParaRPr lang="en-US"/>
           </a:p>
@@ -1234,7 +1239,7 @@
           <a:p>
             <a:fld id="{6444AFA2-83FA-1A41-9BA8-5A47F8345D74}" type="datetimeFigureOut">
               <a:rPr lang="en-US" smtClean="0"/>
-              <a:t>6/10/22</a:t>
+              <a:t>6/12/2022</a:t>
             </a:fld>
             <a:endParaRPr lang="en-US"/>
           </a:p>
@@ -1601,7 +1606,7 @@
           <a:p>
             <a:fld id="{6444AFA2-83FA-1A41-9BA8-5A47F8345D74}" type="datetimeFigureOut">
               <a:rPr lang="en-US" smtClean="0"/>
-              <a:t>6/10/22</a:t>
+              <a:t>6/12/2022</a:t>
             </a:fld>
             <a:endParaRPr lang="en-US"/>
           </a:p>
@@ -1719,7 +1724,7 @@
           <a:p>
             <a:fld id="{6444AFA2-83FA-1A41-9BA8-5A47F8345D74}" type="datetimeFigureOut">
               <a:rPr lang="en-US" smtClean="0"/>
-              <a:t>6/10/22</a:t>
+              <a:t>6/12/2022</a:t>
             </a:fld>
             <a:endParaRPr lang="en-US"/>
           </a:p>
@@ -1814,7 +1819,7 @@
           <a:p>
             <a:fld id="{6444AFA2-83FA-1A41-9BA8-5A47F8345D74}" type="datetimeFigureOut">
               <a:rPr lang="en-US" smtClean="0"/>
-              <a:t>6/10/22</a:t>
+              <a:t>6/12/2022</a:t>
             </a:fld>
             <a:endParaRPr lang="en-US"/>
           </a:p>
@@ -2091,7 +2096,7 @@
           <a:p>
             <a:fld id="{6444AFA2-83FA-1A41-9BA8-5A47F8345D74}" type="datetimeFigureOut">
               <a:rPr lang="en-US" smtClean="0"/>
-              <a:t>6/10/22</a:t>
+              <a:t>6/12/2022</a:t>
             </a:fld>
             <a:endParaRPr lang="en-US"/>
           </a:p>
@@ -2348,7 +2353,7 @@
           <a:p>
             <a:fld id="{6444AFA2-83FA-1A41-9BA8-5A47F8345D74}" type="datetimeFigureOut">
               <a:rPr lang="en-US" smtClean="0"/>
-              <a:t>6/10/22</a:t>
+              <a:t>6/12/2022</a:t>
             </a:fld>
             <a:endParaRPr lang="en-US"/>
           </a:p>
@@ -2561,7 +2566,7 @@
           <a:p>
             <a:fld id="{6444AFA2-83FA-1A41-9BA8-5A47F8345D74}" type="datetimeFigureOut">
               <a:rPr lang="en-US" smtClean="0"/>
-              <a:t>6/10/22</a:t>
+              <a:t>6/12/2022</a:t>
             </a:fld>
             <a:endParaRPr lang="en-US"/>
           </a:p>
@@ -3704,7 +3709,7 @@
           </a:xfrm>
           <a:prstGeom prst="bentConnector3">
             <a:avLst>
-              <a:gd name="adj1" fmla="val 4282764"/>
+              <a:gd name="adj1" fmla="val 5032764"/>
             </a:avLst>
           </a:prstGeom>
           <a:ln w="28575">
@@ -3751,7 +3756,7 @@
           </a:xfrm>
           <a:prstGeom prst="bentConnector3">
             <a:avLst>
-              <a:gd name="adj1" fmla="val 3703449"/>
+              <a:gd name="adj1" fmla="val 5153449"/>
             </a:avLst>
           </a:prstGeom>
           <a:ln w="28575">
@@ -3778,8 +3783,8 @@
           </a:fontRef>
         </p:style>
       </p:cxnSp>
-      <mc:AlternateContent xmlns:mc="http://schemas.openxmlformats.org/markup-compatibility/2006">
-        <mc:Choice xmlns:a14="http://schemas.microsoft.com/office/drawing/2010/main" Requires="a14">
+      <mc:AlternateContent xmlns:mc="http://schemas.openxmlformats.org/markup-compatibility/2006" xmlns:a14="http://schemas.microsoft.com/office/drawing/2010/main">
+        <mc:Choice Requires="a14">
           <p:sp>
             <p:nvSpPr>
               <p:cNvPr id="27" name="TextBox 26">
@@ -3808,6 +3813,7 @@
               </a:bodyPr>
               <a:lstStyle/>
               <a:p>
+                <a:pPr/>
                 <a14:m>
                   <m:oMathPara xmlns:m="http://schemas.openxmlformats.org/officeDocument/2006/math">
                     <m:oMathParaPr>
@@ -3847,7 +3853,7 @@
             </p:txBody>
           </p:sp>
         </mc:Choice>
-        <mc:Fallback>
+        <mc:Fallback xmlns="">
           <p:sp>
             <p:nvSpPr>
               <p:cNvPr id="27" name="TextBox 26">
@@ -3892,8 +3898,8 @@
           </p:sp>
         </mc:Fallback>
       </mc:AlternateContent>
-      <mc:AlternateContent xmlns:mc="http://schemas.openxmlformats.org/markup-compatibility/2006">
-        <mc:Choice xmlns:a14="http://schemas.microsoft.com/office/drawing/2010/main" Requires="a14">
+      <mc:AlternateContent xmlns:mc="http://schemas.openxmlformats.org/markup-compatibility/2006" xmlns:a14="http://schemas.microsoft.com/office/drawing/2010/main">
+        <mc:Choice Requires="a14">
           <p:sp>
             <p:nvSpPr>
               <p:cNvPr id="29" name="TextBox 28">
@@ -3922,6 +3928,7 @@
               </a:bodyPr>
               <a:lstStyle/>
               <a:p>
+                <a:pPr/>
                 <a14:m>
                   <m:oMathPara xmlns:m="http://schemas.openxmlformats.org/officeDocument/2006/math">
                     <m:oMathParaPr>
@@ -3961,7 +3968,7 @@
             </p:txBody>
           </p:sp>
         </mc:Choice>
-        <mc:Fallback>
+        <mc:Fallback xmlns="">
           <p:sp>
             <p:nvSpPr>
               <p:cNvPr id="29" name="TextBox 28">
@@ -4006,8 +4013,8 @@
           </p:sp>
         </mc:Fallback>
       </mc:AlternateContent>
-      <mc:AlternateContent xmlns:mc="http://schemas.openxmlformats.org/markup-compatibility/2006">
-        <mc:Choice xmlns:a14="http://schemas.microsoft.com/office/drawing/2010/main" Requires="a14">
+      <mc:AlternateContent xmlns:mc="http://schemas.openxmlformats.org/markup-compatibility/2006" xmlns:a14="http://schemas.microsoft.com/office/drawing/2010/main">
+        <mc:Choice Requires="a14">
           <p:sp>
             <p:nvSpPr>
               <p:cNvPr id="30" name="TextBox 29">
@@ -4036,6 +4043,7 @@
               </a:bodyPr>
               <a:lstStyle/>
               <a:p>
+                <a:pPr/>
                 <a14:m>
                   <m:oMathPara xmlns:m="http://schemas.openxmlformats.org/officeDocument/2006/math">
                     <m:oMathParaPr>
@@ -4075,7 +4083,7 @@
             </p:txBody>
           </p:sp>
         </mc:Choice>
-        <mc:Fallback>
+        <mc:Fallback xmlns="">
           <p:sp>
             <p:nvSpPr>
               <p:cNvPr id="30" name="TextBox 29">
@@ -4136,7 +4144,7 @@
             </p:nvSpPr>
             <p:spPr>
               <a:xfrm>
-                <a:off x="4235233" y="2370039"/>
+                <a:off x="4149626" y="2201250"/>
                 <a:ext cx="357727" cy="276999"/>
               </a:xfrm>
               <a:prstGeom prst="rect">
@@ -4150,6 +4158,7 @@
               </a:bodyPr>
               <a:lstStyle/>
               <a:p>
+                <a:pPr/>
                 <a14:m>
                   <m:oMathPara xmlns:m="http://schemas.openxmlformats.org/officeDocument/2006/math">
                     <m:oMathParaPr>
@@ -4206,7 +4215,7 @@
             </p:nvSpPr>
             <p:spPr>
               <a:xfrm>
-                <a:off x="4235233" y="2370039"/>
+                <a:off x="4149626" y="2201250"/>
                 <a:ext cx="357727" cy="276999"/>
               </a:xfrm>
               <a:prstGeom prst="rect">
@@ -4215,7 +4224,7 @@
               <a:blipFill>
                 <a:blip r:embed="rId5"/>
                 <a:stretch>
-                  <a:fillRect l="-20690" t="-4348" r="-3448" b="-34783"/>
+                  <a:fillRect l="-22414" t="-4348" r="-6897" b="-32609"/>
                 </a:stretch>
               </a:blipFill>
             </p:spPr>
@@ -4234,8 +4243,8 @@
           </p:sp>
         </mc:Fallback>
       </mc:AlternateContent>
-      <mc:AlternateContent xmlns:mc="http://schemas.openxmlformats.org/markup-compatibility/2006">
-        <mc:Choice xmlns:a14="http://schemas.microsoft.com/office/drawing/2010/main" Requires="a14">
+      <mc:AlternateContent xmlns:mc="http://schemas.openxmlformats.org/markup-compatibility/2006" xmlns:a14="http://schemas.microsoft.com/office/drawing/2010/main">
+        <mc:Choice Requires="a14">
           <p:sp>
             <p:nvSpPr>
               <p:cNvPr id="32" name="TextBox 31">
@@ -4264,6 +4273,7 @@
               </a:bodyPr>
               <a:lstStyle/>
               <a:p>
+                <a:pPr/>
                 <a14:m>
                   <m:oMathPara xmlns:m="http://schemas.openxmlformats.org/officeDocument/2006/math">
                     <m:oMathParaPr>
@@ -4303,7 +4313,7 @@
             </p:txBody>
           </p:sp>
         </mc:Choice>
-        <mc:Fallback>
+        <mc:Fallback xmlns="">
           <p:sp>
             <p:nvSpPr>
               <p:cNvPr id="32" name="TextBox 31">
@@ -4348,8 +4358,8 @@
           </p:sp>
         </mc:Fallback>
       </mc:AlternateContent>
-      <mc:AlternateContent xmlns:mc="http://schemas.openxmlformats.org/markup-compatibility/2006">
-        <mc:Choice xmlns:a14="http://schemas.microsoft.com/office/drawing/2010/main" Requires="a14">
+      <mc:AlternateContent xmlns:mc="http://schemas.openxmlformats.org/markup-compatibility/2006" xmlns:a14="http://schemas.microsoft.com/office/drawing/2010/main">
+        <mc:Choice Requires="a14">
           <p:sp>
             <p:nvSpPr>
               <p:cNvPr id="33" name="TextBox 32">
@@ -4378,6 +4388,7 @@
               </a:bodyPr>
               <a:lstStyle/>
               <a:p>
+                <a:pPr/>
                 <a14:m>
                   <m:oMathPara xmlns:m="http://schemas.openxmlformats.org/officeDocument/2006/math">
                     <m:oMathParaPr>
@@ -4417,7 +4428,7 @@
             </p:txBody>
           </p:sp>
         </mc:Choice>
-        <mc:Fallback>
+        <mc:Fallback xmlns="">
           <p:sp>
             <p:nvSpPr>
               <p:cNvPr id="33" name="TextBox 32">
@@ -4462,8 +4473,8 @@
           </p:sp>
         </mc:Fallback>
       </mc:AlternateContent>
-      <mc:AlternateContent xmlns:mc="http://schemas.openxmlformats.org/markup-compatibility/2006">
-        <mc:Choice xmlns:a14="http://schemas.microsoft.com/office/drawing/2010/main" Requires="a14">
+      <mc:AlternateContent xmlns:mc="http://schemas.openxmlformats.org/markup-compatibility/2006" xmlns:a14="http://schemas.microsoft.com/office/drawing/2010/main">
+        <mc:Choice Requires="a14">
           <p:sp>
             <p:nvSpPr>
               <p:cNvPr id="34" name="TextBox 33">
@@ -4492,6 +4503,7 @@
               </a:bodyPr>
               <a:lstStyle/>
               <a:p>
+                <a:pPr/>
                 <a14:m>
                   <m:oMathPara xmlns:m="http://schemas.openxmlformats.org/officeDocument/2006/math">
                     <m:oMathParaPr>
@@ -4531,7 +4543,7 @@
             </p:txBody>
           </p:sp>
         </mc:Choice>
-        <mc:Fallback>
+        <mc:Fallback xmlns="">
           <p:sp>
             <p:nvSpPr>
               <p:cNvPr id="34" name="TextBox 33">
@@ -4592,7 +4604,7 @@
             </p:nvSpPr>
             <p:spPr>
               <a:xfrm>
-                <a:off x="4133763" y="279166"/>
+                <a:off x="4070599" y="248426"/>
                 <a:ext cx="285206" cy="276999"/>
               </a:xfrm>
               <a:prstGeom prst="rect">
@@ -4606,6 +4618,7 @@
               </a:bodyPr>
               <a:lstStyle/>
               <a:p>
+                <a:pPr/>
                 <a14:m>
                   <m:oMathPara xmlns:m="http://schemas.openxmlformats.org/officeDocument/2006/math">
                     <m:oMathParaPr>
@@ -4662,7 +4675,7 @@
             </p:nvSpPr>
             <p:spPr>
               <a:xfrm>
-                <a:off x="4133763" y="279166"/>
+                <a:off x="4070599" y="248426"/>
                 <a:ext cx="285206" cy="276999"/>
               </a:xfrm>
               <a:prstGeom prst="rect">
@@ -4671,7 +4684,7 @@
               <a:blipFill>
                 <a:blip r:embed="rId9"/>
                 <a:stretch>
-                  <a:fillRect l="-8696" r="-4348" b="-18182"/>
+                  <a:fillRect l="-12766" r="-4255" b="-15556"/>
                 </a:stretch>
               </a:blipFill>
             </p:spPr>
@@ -5351,6 +5364,334 @@
           </a:graphicData>
         </a:graphic>
       </p:graphicFrame>
+      <p:cxnSp>
+        <p:nvCxnSpPr>
+          <p:cNvPr id="37" name="Elbow Connector 21">
+            <a:extLst>
+              <a:ext uri="{FF2B5EF4-FFF2-40B4-BE49-F238E27FC236}">
+                <a16:creationId xmlns:a16="http://schemas.microsoft.com/office/drawing/2014/main" id="{5CEBF91D-5D1E-7342-40AD-A786ABA88EC8}"/>
+              </a:ext>
+            </a:extLst>
+          </p:cNvPr>
+          <p:cNvCxnSpPr>
+            <a:cxnSpLocks/>
+            <a:stCxn id="7" idx="0"/>
+            <a:endCxn id="6" idx="0"/>
+          </p:cNvCxnSpPr>
+          <p:nvPr/>
+        </p:nvCxnSpPr>
+        <p:spPr>
+          <a:xfrm rot="16200000" flipV="1">
+            <a:off x="5646684" y="484169"/>
+            <a:ext cx="12700" cy="1424151"/>
+          </a:xfrm>
+          <a:prstGeom prst="bentConnector3">
+            <a:avLst>
+              <a:gd name="adj1" fmla="val 2500000"/>
+            </a:avLst>
+          </a:prstGeom>
+          <a:ln w="28575">
+            <a:solidFill>
+              <a:schemeClr val="tx1"/>
+            </a:solidFill>
+            <a:tailEnd type="triangle"/>
+          </a:ln>
+        </p:spPr>
+        <p:style>
+          <a:lnRef idx="1">
+            <a:schemeClr val="accent1"/>
+          </a:lnRef>
+          <a:fillRef idx="0">
+            <a:schemeClr val="accent1"/>
+          </a:fillRef>
+          <a:effectRef idx="0">
+            <a:schemeClr val="accent1"/>
+          </a:effectRef>
+          <a:fontRef idx="minor">
+            <a:schemeClr val="tx1"/>
+          </a:fontRef>
+        </p:style>
+      </p:cxnSp>
+      <mc:AlternateContent xmlns:mc="http://schemas.openxmlformats.org/markup-compatibility/2006">
+        <mc:Choice xmlns:a14="http://schemas.microsoft.com/office/drawing/2010/main" Requires="a14">
+          <p:sp>
+            <p:nvSpPr>
+              <p:cNvPr id="43" name="TextBox 42">
+                <a:extLst>
+                  <a:ext uri="{FF2B5EF4-FFF2-40B4-BE49-F238E27FC236}">
+                    <a16:creationId xmlns:a16="http://schemas.microsoft.com/office/drawing/2014/main" id="{D047853C-A11A-D43D-1BEE-ECB6DC4CF804}"/>
+                  </a:ext>
+                </a:extLst>
+              </p:cNvPr>
+              <p:cNvSpPr txBox="1"/>
+              <p:nvPr/>
+            </p:nvSpPr>
+            <p:spPr>
+              <a:xfrm>
+                <a:off x="5519934" y="568117"/>
+                <a:ext cx="227969" cy="276999"/>
+              </a:xfrm>
+              <a:prstGeom prst="rect">
+                <a:avLst/>
+              </a:prstGeom>
+              <a:noFill/>
+            </p:spPr>
+            <p:txBody>
+              <a:bodyPr wrap="square" lIns="0" tIns="0" rIns="0" bIns="0" rtlCol="0">
+                <a:spAutoFit/>
+              </a:bodyPr>
+              <a:lstStyle/>
+              <a:p>
+                <a:pPr/>
+                <a14:m>
+                  <m:oMathPara xmlns:m="http://schemas.openxmlformats.org/officeDocument/2006/math">
+                    <m:oMathParaPr>
+                      <m:jc m:val="centerGroup"/>
+                    </m:oMathParaPr>
+                    <m:oMath xmlns:m="http://schemas.openxmlformats.org/officeDocument/2006/math">
+                      <m:sSub>
+                        <m:sSubPr>
+                          <m:ctrlPr>
+                            <a:rPr lang="en-US" i="1">
+                              <a:latin typeface="Cambria Math" panose="02040503050406030204" pitchFamily="18" charset="0"/>
+                            </a:rPr>
+                          </m:ctrlPr>
+                        </m:sSubPr>
+                        <m:e>
+                          <m:r>
+                            <a:rPr lang="en-US" i="1">
+                              <a:latin typeface="Cambria Math" panose="02040503050406030204" pitchFamily="18" charset="0"/>
+                            </a:rPr>
+                            <m:t>𝑢</m:t>
+                          </m:r>
+                        </m:e>
+                        <m:sub>
+                          <m:r>
+                            <a:rPr lang="en-US" i="1">
+                              <a:latin typeface="Cambria Math" panose="02040503050406030204" pitchFamily="18" charset="0"/>
+                            </a:rPr>
+                            <m:t>𝑆</m:t>
+                          </m:r>
+                        </m:sub>
+                      </m:sSub>
+                    </m:oMath>
+                  </m:oMathPara>
+                </a14:m>
+                <a:endParaRPr lang="en-US" dirty="0"/>
+              </a:p>
+            </p:txBody>
+          </p:sp>
+        </mc:Choice>
+        <mc:Fallback>
+          <p:sp>
+            <p:nvSpPr>
+              <p:cNvPr id="43" name="TextBox 42">
+                <a:extLst>
+                  <a:ext uri="{FF2B5EF4-FFF2-40B4-BE49-F238E27FC236}">
+                    <a16:creationId xmlns:a16="http://schemas.microsoft.com/office/drawing/2014/main" id="{D047853C-A11A-D43D-1BEE-ECB6DC4CF804}"/>
+                  </a:ext>
+                </a:extLst>
+              </p:cNvPr>
+              <p:cNvSpPr txBox="1">
+                <a:spLocks noRot="1" noChangeAspect="1" noMove="1" noResize="1" noEditPoints="1" noAdjustHandles="1" noChangeArrowheads="1" noChangeShapeType="1" noTextEdit="1"/>
+              </p:cNvSpPr>
+              <p:nvPr/>
+            </p:nvSpPr>
+            <p:spPr>
+              <a:xfrm>
+                <a:off x="5519934" y="568117"/>
+                <a:ext cx="227969" cy="276999"/>
+              </a:xfrm>
+              <a:prstGeom prst="rect">
+                <a:avLst/>
+              </a:prstGeom>
+              <a:blipFill>
+                <a:blip r:embed="rId10"/>
+                <a:stretch>
+                  <a:fillRect l="-27027" r="-21622" b="-15217"/>
+                </a:stretch>
+              </a:blipFill>
+            </p:spPr>
+            <p:txBody>
+              <a:bodyPr/>
+              <a:lstStyle/>
+              <a:p>
+                <a:r>
+                  <a:rPr lang="en-US">
+                    <a:noFill/>
+                  </a:rPr>
+                  <a:t> </a:t>
+                </a:r>
+              </a:p>
+            </p:txBody>
+          </p:sp>
+        </mc:Fallback>
+      </mc:AlternateContent>
+      <p:cxnSp>
+        <p:nvCxnSpPr>
+          <p:cNvPr id="45" name="Elbow Connector 24">
+            <a:extLst>
+              <a:ext uri="{FF2B5EF4-FFF2-40B4-BE49-F238E27FC236}">
+                <a16:creationId xmlns:a16="http://schemas.microsoft.com/office/drawing/2014/main" id="{074AEFC7-7162-013B-2B81-DF0FB4FEB389}"/>
+              </a:ext>
+            </a:extLst>
+          </p:cNvPr>
+          <p:cNvCxnSpPr>
+            <a:cxnSpLocks/>
+            <a:stCxn id="10" idx="0"/>
+            <a:endCxn id="11" idx="0"/>
+          </p:cNvCxnSpPr>
+          <p:nvPr/>
+        </p:nvCxnSpPr>
+        <p:spPr>
+          <a:xfrm rot="5400000" flipH="1" flipV="1">
+            <a:off x="5653034" y="2436992"/>
+            <a:ext cx="12700" cy="1424151"/>
+          </a:xfrm>
+          <a:prstGeom prst="bentConnector3">
+            <a:avLst>
+              <a:gd name="adj1" fmla="val 1800000"/>
+            </a:avLst>
+          </a:prstGeom>
+          <a:ln w="28575">
+            <a:solidFill>
+              <a:schemeClr val="bg2">
+                <a:lumMod val="75000"/>
+              </a:schemeClr>
+            </a:solidFill>
+            <a:tailEnd type="triangle"/>
+          </a:ln>
+        </p:spPr>
+        <p:style>
+          <a:lnRef idx="1">
+            <a:schemeClr val="accent1"/>
+          </a:lnRef>
+          <a:fillRef idx="0">
+            <a:schemeClr val="accent1"/>
+          </a:fillRef>
+          <a:effectRef idx="0">
+            <a:schemeClr val="accent1"/>
+          </a:effectRef>
+          <a:fontRef idx="minor">
+            <a:schemeClr val="tx1"/>
+          </a:fontRef>
+        </p:style>
+      </p:cxnSp>
+      <mc:AlternateContent xmlns:mc="http://schemas.openxmlformats.org/markup-compatibility/2006">
+        <mc:Choice xmlns:a14="http://schemas.microsoft.com/office/drawing/2010/main" Requires="a14">
+          <p:sp>
+            <p:nvSpPr>
+              <p:cNvPr id="46" name="TextBox 45">
+                <a:extLst>
+                  <a:ext uri="{FF2B5EF4-FFF2-40B4-BE49-F238E27FC236}">
+                    <a16:creationId xmlns:a16="http://schemas.microsoft.com/office/drawing/2014/main" id="{B02A2D00-D39D-E2E4-40BE-B1C470C15ED3}"/>
+                  </a:ext>
+                </a:extLst>
+              </p:cNvPr>
+              <p:cNvSpPr txBox="1"/>
+              <p:nvPr/>
+            </p:nvSpPr>
+            <p:spPr>
+              <a:xfrm>
+                <a:off x="5598064" y="2623973"/>
+                <a:ext cx="329257" cy="276999"/>
+              </a:xfrm>
+              <a:prstGeom prst="rect">
+                <a:avLst/>
+              </a:prstGeom>
+              <a:noFill/>
+            </p:spPr>
+            <p:txBody>
+              <a:bodyPr wrap="none" lIns="0" tIns="0" rIns="0" bIns="0" rtlCol="0">
+                <a:spAutoFit/>
+              </a:bodyPr>
+              <a:lstStyle/>
+              <a:p>
+                <a:pPr/>
+                <a14:m>
+                  <m:oMathPara xmlns:m="http://schemas.openxmlformats.org/officeDocument/2006/math">
+                    <m:oMathParaPr>
+                      <m:jc m:val="centerGroup"/>
+                    </m:oMathParaPr>
+                    <m:oMath xmlns:m="http://schemas.openxmlformats.org/officeDocument/2006/math">
+                      <m:sSup>
+                        <m:sSupPr>
+                          <m:ctrlPr>
+                            <a:rPr lang="en-US" i="1">
+                              <a:latin typeface="Cambria Math" panose="02040503050406030204" pitchFamily="18" charset="0"/>
+                            </a:rPr>
+                          </m:ctrlPr>
+                        </m:sSupPr>
+                        <m:e>
+                          <m:r>
+                            <a:rPr lang="en-US" i="1">
+                              <a:latin typeface="Cambria Math" panose="02040503050406030204" pitchFamily="18" charset="0"/>
+                            </a:rPr>
+                            <m:t>𝜓</m:t>
+                          </m:r>
+                        </m:e>
+                        <m:sup>
+                          <m:r>
+                            <a:rPr lang="en-US" i="1">
+                              <a:latin typeface="Cambria Math" panose="02040503050406030204" pitchFamily="18" charset="0"/>
+                            </a:rPr>
+                            <m:t>𝐿</m:t>
+                          </m:r>
+                        </m:sup>
+                      </m:sSup>
+                    </m:oMath>
+                  </m:oMathPara>
+                </a14:m>
+                <a:endParaRPr lang="en-US" dirty="0"/>
+              </a:p>
+            </p:txBody>
+          </p:sp>
+        </mc:Choice>
+        <mc:Fallback>
+          <p:sp>
+            <p:nvSpPr>
+              <p:cNvPr id="46" name="TextBox 45">
+                <a:extLst>
+                  <a:ext uri="{FF2B5EF4-FFF2-40B4-BE49-F238E27FC236}">
+                    <a16:creationId xmlns:a16="http://schemas.microsoft.com/office/drawing/2014/main" id="{B02A2D00-D39D-E2E4-40BE-B1C470C15ED3}"/>
+                  </a:ext>
+                </a:extLst>
+              </p:cNvPr>
+              <p:cNvSpPr txBox="1">
+                <a:spLocks noRot="1" noChangeAspect="1" noMove="1" noResize="1" noEditPoints="1" noAdjustHandles="1" noChangeArrowheads="1" noChangeShapeType="1" noTextEdit="1"/>
+              </p:cNvSpPr>
+              <p:nvPr/>
+            </p:nvSpPr>
+            <p:spPr>
+              <a:xfrm>
+                <a:off x="5598064" y="2623973"/>
+                <a:ext cx="329257" cy="276999"/>
+              </a:xfrm>
+              <a:prstGeom prst="rect">
+                <a:avLst/>
+              </a:prstGeom>
+              <a:blipFill>
+                <a:blip r:embed="rId11"/>
+                <a:stretch>
+                  <a:fillRect l="-24074" t="-4348" r="-7407" b="-32609"/>
+                </a:stretch>
+              </a:blipFill>
+            </p:spPr>
+            <p:txBody>
+              <a:bodyPr/>
+              <a:lstStyle/>
+              <a:p>
+                <a:r>
+                  <a:rPr lang="en-US">
+                    <a:noFill/>
+                  </a:rPr>
+                  <a:t> </a:t>
+                </a:r>
+              </a:p>
+            </p:txBody>
+          </p:sp>
+        </mc:Fallback>
+      </mc:AlternateContent>
     </p:spTree>
     <p:extLst>
       <p:ext uri="{BB962C8B-B14F-4D97-AF65-F5344CB8AC3E}">
